--- a/doc/overview.pptx
+++ b/doc/overview.pptx
@@ -290,7 +290,7 @@
           <a:p>
             <a:fld id="{1BF9B961-E8CE-4B0C-9578-2C2B903B0BA5}" type="datetimeFigureOut">
               <a:rPr lang="en-GB" smtClean="0"/>
-              <a:t>28/11/2014</a:t>
+              <a:t>29/12/2014</a:t>
             </a:fld>
             <a:endParaRPr lang="en-GB"/>
           </a:p>
@@ -460,7 +460,7 @@
           <a:p>
             <a:fld id="{1BF9B961-E8CE-4B0C-9578-2C2B903B0BA5}" type="datetimeFigureOut">
               <a:rPr lang="en-GB" smtClean="0"/>
-              <a:t>28/11/2014</a:t>
+              <a:t>29/12/2014</a:t>
             </a:fld>
             <a:endParaRPr lang="en-GB"/>
           </a:p>
@@ -640,7 +640,7 @@
           <a:p>
             <a:fld id="{1BF9B961-E8CE-4B0C-9578-2C2B903B0BA5}" type="datetimeFigureOut">
               <a:rPr lang="en-GB" smtClean="0"/>
-              <a:t>28/11/2014</a:t>
+              <a:t>29/12/2014</a:t>
             </a:fld>
             <a:endParaRPr lang="en-GB"/>
           </a:p>
@@ -810,7 +810,7 @@
           <a:p>
             <a:fld id="{1BF9B961-E8CE-4B0C-9578-2C2B903B0BA5}" type="datetimeFigureOut">
               <a:rPr lang="en-GB" smtClean="0"/>
-              <a:t>28/11/2014</a:t>
+              <a:t>29/12/2014</a:t>
             </a:fld>
             <a:endParaRPr lang="en-GB"/>
           </a:p>
@@ -1056,7 +1056,7 @@
           <a:p>
             <a:fld id="{1BF9B961-E8CE-4B0C-9578-2C2B903B0BA5}" type="datetimeFigureOut">
               <a:rPr lang="en-GB" smtClean="0"/>
-              <a:t>28/11/2014</a:t>
+              <a:t>29/12/2014</a:t>
             </a:fld>
             <a:endParaRPr lang="en-GB"/>
           </a:p>
@@ -1344,7 +1344,7 @@
           <a:p>
             <a:fld id="{1BF9B961-E8CE-4B0C-9578-2C2B903B0BA5}" type="datetimeFigureOut">
               <a:rPr lang="en-GB" smtClean="0"/>
-              <a:t>28/11/2014</a:t>
+              <a:t>29/12/2014</a:t>
             </a:fld>
             <a:endParaRPr lang="en-GB"/>
           </a:p>
@@ -1766,7 +1766,7 @@
           <a:p>
             <a:fld id="{1BF9B961-E8CE-4B0C-9578-2C2B903B0BA5}" type="datetimeFigureOut">
               <a:rPr lang="en-GB" smtClean="0"/>
-              <a:t>28/11/2014</a:t>
+              <a:t>29/12/2014</a:t>
             </a:fld>
             <a:endParaRPr lang="en-GB"/>
           </a:p>
@@ -1884,7 +1884,7 @@
           <a:p>
             <a:fld id="{1BF9B961-E8CE-4B0C-9578-2C2B903B0BA5}" type="datetimeFigureOut">
               <a:rPr lang="en-GB" smtClean="0"/>
-              <a:t>28/11/2014</a:t>
+              <a:t>29/12/2014</a:t>
             </a:fld>
             <a:endParaRPr lang="en-GB"/>
           </a:p>
@@ -1979,7 +1979,7 @@
           <a:p>
             <a:fld id="{1BF9B961-E8CE-4B0C-9578-2C2B903B0BA5}" type="datetimeFigureOut">
               <a:rPr lang="en-GB" smtClean="0"/>
-              <a:t>28/11/2014</a:t>
+              <a:t>29/12/2014</a:t>
             </a:fld>
             <a:endParaRPr lang="en-GB"/>
           </a:p>
@@ -2256,7 +2256,7 @@
           <a:p>
             <a:fld id="{1BF9B961-E8CE-4B0C-9578-2C2B903B0BA5}" type="datetimeFigureOut">
               <a:rPr lang="en-GB" smtClean="0"/>
-              <a:t>28/11/2014</a:t>
+              <a:t>29/12/2014</a:t>
             </a:fld>
             <a:endParaRPr lang="en-GB"/>
           </a:p>
@@ -2509,7 +2509,7 @@
           <a:p>
             <a:fld id="{1BF9B961-E8CE-4B0C-9578-2C2B903B0BA5}" type="datetimeFigureOut">
               <a:rPr lang="en-GB" smtClean="0"/>
-              <a:t>28/11/2014</a:t>
+              <a:t>29/12/2014</a:t>
             </a:fld>
             <a:endParaRPr lang="en-GB"/>
           </a:p>
@@ -2722,7 +2722,7 @@
           <a:p>
             <a:fld id="{1BF9B961-E8CE-4B0C-9578-2C2B903B0BA5}" type="datetimeFigureOut">
               <a:rPr lang="en-GB" smtClean="0"/>
-              <a:t>28/11/2014</a:t>
+              <a:t>29/12/2014</a:t>
             </a:fld>
             <a:endParaRPr lang="en-GB"/>
           </a:p>
@@ -3105,10 +3105,10 @@
         </p:nvGrpSpPr>
         <p:grpSpPr>
           <a:xfrm>
-            <a:off x="2758224" y="1440507"/>
-            <a:ext cx="745717" cy="432048"/>
-            <a:chOff x="2287883" y="1440507"/>
-            <a:chExt cx="745717" cy="432048"/>
+            <a:off x="3106061" y="1485803"/>
+            <a:ext cx="720080" cy="432048"/>
+            <a:chOff x="2294352" y="1440507"/>
+            <a:chExt cx="720080" cy="432048"/>
           </a:xfrm>
         </p:grpSpPr>
         <p:sp>
@@ -3160,8 +3160,8 @@
           </p:nvSpPr>
           <p:spPr>
             <a:xfrm>
-              <a:off x="2287883" y="1472444"/>
-              <a:ext cx="745717" cy="400110"/>
+              <a:off x="2318340" y="1472444"/>
+              <a:ext cx="684803" cy="400110"/>
             </a:xfrm>
             <a:prstGeom prst="rect">
               <a:avLst/>
@@ -3176,9 +3176,10 @@
             <a:p>
               <a:pPr algn="ctr"/>
               <a:r>
-                <a:rPr lang="en-GB" sz="1000" dirty="0" smtClean="0"/>
-                <a:t>Predicated</a:t>
+                <a:rPr lang="en-GB" sz="1000" smtClean="0"/>
+                <a:t>Predicted</a:t>
               </a:r>
+              <a:endParaRPr lang="en-GB" sz="1000" dirty="0" smtClean="0"/>
             </a:p>
             <a:p>
               <a:pPr algn="ctr"/>
@@ -3199,7 +3200,7 @@
         </p:nvGrpSpPr>
         <p:grpSpPr>
           <a:xfrm>
-            <a:off x="2764693" y="495045"/>
+            <a:off x="3113578" y="495045"/>
             <a:ext cx="720080" cy="432048"/>
             <a:chOff x="2294352" y="1440507"/>
             <a:chExt cx="720080" cy="432048"/>
@@ -3288,8 +3289,8 @@
         </p:nvCxnSpPr>
         <p:spPr>
           <a:xfrm rot="5400000" flipH="1" flipV="1">
-            <a:off x="2868026" y="1183800"/>
-            <a:ext cx="513414" cy="12700"/>
+            <a:off x="3190504" y="1202690"/>
+            <a:ext cx="558710" cy="7517"/>
           </a:xfrm>
           <a:prstGeom prst="curvedConnector3">
             <a:avLst/>
@@ -3321,7 +3322,7 @@
         </p:nvSpPr>
         <p:spPr>
           <a:xfrm>
-            <a:off x="2502984" y="1076734"/>
+            <a:off x="2851869" y="1076734"/>
             <a:ext cx="665567" cy="246221"/>
           </a:xfrm>
           <a:prstGeom prst="rect">
@@ -3351,10 +3352,10 @@
         </p:nvGrpSpPr>
         <p:grpSpPr>
           <a:xfrm>
-            <a:off x="2728266" y="2342494"/>
-            <a:ext cx="790601" cy="432048"/>
+            <a:off x="3099592" y="2520626"/>
+            <a:ext cx="837055" cy="432048"/>
             <a:chOff x="2259091" y="1440507"/>
-            <a:chExt cx="790601" cy="432048"/>
+            <a:chExt cx="837055" cy="432048"/>
           </a:xfrm>
         </p:grpSpPr>
         <p:sp>
@@ -3407,7 +3408,7 @@
           <p:spPr>
             <a:xfrm>
               <a:off x="2259091" y="1533420"/>
-              <a:ext cx="790601" cy="246221"/>
+              <a:ext cx="837055" cy="246221"/>
             </a:xfrm>
             <a:prstGeom prst="rect">
               <a:avLst/>
@@ -3415,7 +3416,7 @@
             <a:noFill/>
           </p:spPr>
           <p:txBody>
-            <a:bodyPr wrap="none" rtlCol="0">
+            <a:bodyPr wrap="square" rtlCol="0">
               <a:spAutoFit/>
             </a:bodyPr>
             <a:lstStyle/>
@@ -3439,9 +3440,9 @@
           <p:nvPr/>
         </p:nvCxnSpPr>
         <p:spPr>
-          <a:xfrm rot="5400000">
-            <a:off x="2889181" y="2106941"/>
-            <a:ext cx="469939" cy="1166"/>
+          <a:xfrm rot="16200000" flipH="1">
+            <a:off x="3179110" y="2204842"/>
+            <a:ext cx="602775" cy="28792"/>
           </a:xfrm>
           <a:prstGeom prst="curvedConnector3">
             <a:avLst>
@@ -3475,7 +3476,7 @@
         </p:nvSpPr>
         <p:spPr>
           <a:xfrm>
-            <a:off x="2448471" y="1984412"/>
+            <a:off x="2797356" y="1984412"/>
             <a:ext cx="744114" cy="246221"/>
           </a:xfrm>
           <a:prstGeom prst="rect">
@@ -3505,7 +3506,7 @@
         </p:nvGrpSpPr>
         <p:grpSpPr>
           <a:xfrm>
-            <a:off x="1445974" y="1440506"/>
+            <a:off x="1794859" y="1512515"/>
             <a:ext cx="720080" cy="432048"/>
             <a:chOff x="2294352" y="1440507"/>
             <a:chExt cx="720080" cy="432048"/>
@@ -3593,9 +3594,9 @@
           <p:nvPr/>
         </p:nvCxnSpPr>
         <p:spPr>
-          <a:xfrm>
-            <a:off x="2166054" y="1656530"/>
-            <a:ext cx="592170" cy="15969"/>
+          <a:xfrm flipV="1">
+            <a:off x="2514939" y="1717795"/>
+            <a:ext cx="615110" cy="10744"/>
           </a:xfrm>
           <a:prstGeom prst="curvedConnector3">
             <a:avLst/>
@@ -3627,7 +3628,7 @@
         </p:nvSpPr>
         <p:spPr>
           <a:xfrm>
-            <a:off x="2104119" y="1440507"/>
+            <a:off x="2453004" y="1512515"/>
             <a:ext cx="667170" cy="246221"/>
           </a:xfrm>
           <a:prstGeom prst="rect">
@@ -3657,7 +3658,7 @@
         </p:nvGrpSpPr>
         <p:grpSpPr>
           <a:xfrm>
-            <a:off x="1440359" y="2342493"/>
+            <a:off x="1789244" y="2342493"/>
             <a:ext cx="720080" cy="432048"/>
             <a:chOff x="2294352" y="1440507"/>
             <a:chExt cx="720080" cy="432048"/>
@@ -3747,8 +3748,8 @@
         </p:nvCxnSpPr>
         <p:spPr>
           <a:xfrm rot="5400000">
-            <a:off x="1568238" y="2104716"/>
-            <a:ext cx="469939" cy="5615"/>
+            <a:off x="1953127" y="2140721"/>
+            <a:ext cx="397930" cy="5615"/>
           </a:xfrm>
           <a:prstGeom prst="curvedConnector3">
             <a:avLst>
@@ -3782,7 +3783,7 @@
         </p:nvSpPr>
         <p:spPr>
           <a:xfrm>
-            <a:off x="1154073" y="1933275"/>
+            <a:off x="1502958" y="1933275"/>
             <a:ext cx="638316" cy="246221"/>
           </a:xfrm>
           <a:prstGeom prst="rect">
@@ -3812,7 +3813,7 @@
         </p:nvGrpSpPr>
         <p:grpSpPr>
           <a:xfrm>
-            <a:off x="4331834" y="933443"/>
+            <a:off x="4680719" y="1152475"/>
             <a:ext cx="720080" cy="432048"/>
             <a:chOff x="2294352" y="1440507"/>
             <a:chExt cx="720080" cy="432048"/>
@@ -3902,8 +3903,8 @@
         </p:nvCxnSpPr>
         <p:spPr>
           <a:xfrm flipV="1">
-            <a:off x="3503941" y="1149467"/>
-            <a:ext cx="827893" cy="523032"/>
+            <a:off x="3814852" y="1368499"/>
+            <a:ext cx="865867" cy="349296"/>
           </a:xfrm>
           <a:prstGeom prst="curvedConnector3">
             <a:avLst>
@@ -3937,7 +3938,7 @@
         </p:nvSpPr>
         <p:spPr>
           <a:xfrm>
-            <a:off x="3312567" y="1010967"/>
+            <a:off x="3661452" y="1178897"/>
             <a:ext cx="875561" cy="261610"/>
           </a:xfrm>
           <a:prstGeom prst="rect">
@@ -3967,7 +3968,7 @@
         </p:nvGrpSpPr>
         <p:grpSpPr>
           <a:xfrm>
-            <a:off x="1445975" y="487350"/>
+            <a:off x="1794860" y="487350"/>
             <a:ext cx="720080" cy="432048"/>
             <a:chOff x="2294352" y="1440507"/>
             <a:chExt cx="720080" cy="432048"/>
@@ -4022,8 +4023,8 @@
           </p:nvSpPr>
           <p:spPr>
             <a:xfrm>
-              <a:off x="2431413" y="1525726"/>
-              <a:ext cx="445956" cy="246221"/>
+              <a:off x="2339223" y="1456476"/>
+              <a:ext cx="665567" cy="400110"/>
             </a:xfrm>
             <a:prstGeom prst="rect">
               <a:avLst/>
@@ -4036,11 +4037,18 @@
             </a:bodyPr>
             <a:lstStyle/>
             <a:p>
+              <a:pPr algn="ctr"/>
               <a:r>
                 <a:rPr lang="en-GB" sz="1000" dirty="0" smtClean="0"/>
-                <a:t>Fund</a:t>
+                <a:t>Resource</a:t>
               </a:r>
-              <a:endParaRPr lang="en-GB" sz="1000" dirty="0"/>
+            </a:p>
+            <a:p>
+              <a:pPr algn="ctr"/>
+              <a:r>
+                <a:rPr lang="en-GB" sz="1000" dirty="0" smtClean="0"/>
+                <a:t>Source</a:t>
+              </a:r>
             </a:p>
           </p:txBody>
         </p:sp>
@@ -4056,8 +4064,8 @@
         </p:nvCxnSpPr>
         <p:spPr>
           <a:xfrm rot="5400000">
-            <a:off x="1545461" y="1179952"/>
-            <a:ext cx="521108" cy="1"/>
+            <a:off x="1858342" y="1215956"/>
+            <a:ext cx="593117" cy="1"/>
           </a:xfrm>
           <a:prstGeom prst="curvedConnector3">
             <a:avLst>
@@ -4091,7 +4099,7 @@
         </p:nvSpPr>
         <p:spPr>
           <a:xfrm>
-            <a:off x="1181192" y="1056841"/>
+            <a:off x="1530077" y="1056841"/>
             <a:ext cx="691215" cy="246221"/>
           </a:xfrm>
           <a:prstGeom prst="rect">
@@ -4124,7 +4132,7 @@
         </p:nvCxnSpPr>
         <p:spPr>
           <a:xfrm rot="10800000">
-            <a:off x="2166055" y="703375"/>
+            <a:off x="2514940" y="703375"/>
             <a:ext cx="598638" cy="7695"/>
           </a:xfrm>
           <a:prstGeom prst="curvedConnector3">
@@ -4159,7 +4167,7 @@
         </p:nvSpPr>
         <p:spPr>
           <a:xfrm>
-            <a:off x="2166054" y="431204"/>
+            <a:off x="2514939" y="431204"/>
             <a:ext cx="691215" cy="246221"/>
           </a:xfrm>
           <a:prstGeom prst="rect">
@@ -4192,8 +4200,8 @@
         </p:nvCxnSpPr>
         <p:spPr>
           <a:xfrm flipV="1">
-            <a:off x="2160439" y="1656531"/>
-            <a:ext cx="604254" cy="901986"/>
+            <a:off x="2509324" y="1701827"/>
+            <a:ext cx="596737" cy="856690"/>
           </a:xfrm>
           <a:prstGeom prst="curvedConnector3">
             <a:avLst>
@@ -4227,7 +4235,7 @@
         </p:nvSpPr>
         <p:spPr>
           <a:xfrm>
-            <a:off x="1872407" y="2000953"/>
+            <a:off x="2221292" y="2000953"/>
             <a:ext cx="667170" cy="246221"/>
           </a:xfrm>
           <a:prstGeom prst="rect">
@@ -4257,7 +4265,7 @@
         </p:nvGrpSpPr>
         <p:grpSpPr>
           <a:xfrm>
-            <a:off x="4320679" y="1927175"/>
+            <a:off x="4669564" y="1800547"/>
             <a:ext cx="731235" cy="432048"/>
             <a:chOff x="2294352" y="1440507"/>
             <a:chExt cx="731235" cy="432048"/>
@@ -4347,8 +4355,8 @@
         </p:nvCxnSpPr>
         <p:spPr>
           <a:xfrm>
-            <a:off x="3503941" y="1672499"/>
-            <a:ext cx="818285" cy="470700"/>
+            <a:off x="3814852" y="1717795"/>
+            <a:ext cx="856259" cy="298776"/>
           </a:xfrm>
           <a:prstGeom prst="curvedConnector3">
             <a:avLst>
@@ -4382,7 +4390,7 @@
         </p:nvSpPr>
         <p:spPr>
           <a:xfrm>
-            <a:off x="3293088" y="1993258"/>
+            <a:off x="3641973" y="1898977"/>
             <a:ext cx="883575" cy="261610"/>
           </a:xfrm>
           <a:prstGeom prst="rect">
@@ -4399,6 +4407,315 @@
             <a:r>
               <a:rPr lang="en-GB" dirty="0" err="1" smtClean="0"/>
               <a:t>describedBy</a:t>
+            </a:r>
+            <a:endParaRPr lang="en-GB" dirty="0"/>
+          </a:p>
+        </p:txBody>
+      </p:sp>
+      <p:grpSp>
+        <p:nvGrpSpPr>
+          <p:cNvPr id="48" name="Group 47"/>
+          <p:cNvGrpSpPr/>
+          <p:nvPr/>
+        </p:nvGrpSpPr>
+        <p:grpSpPr>
+          <a:xfrm>
+            <a:off x="223559" y="1507143"/>
+            <a:ext cx="720080" cy="432048"/>
+            <a:chOff x="2294352" y="1440507"/>
+            <a:chExt cx="720080" cy="432048"/>
+          </a:xfrm>
+        </p:grpSpPr>
+        <p:sp>
+          <p:nvSpPr>
+            <p:cNvPr id="49" name="Oval 48"/>
+            <p:cNvSpPr/>
+            <p:nvPr/>
+          </p:nvSpPr>
+          <p:spPr>
+            <a:xfrm>
+              <a:off x="2294352" y="1440507"/>
+              <a:ext cx="720080" cy="432048"/>
+            </a:xfrm>
+            <a:prstGeom prst="ellipse">
+              <a:avLst/>
+            </a:prstGeom>
+            <a:noFill/>
+          </p:spPr>
+          <p:style>
+            <a:lnRef idx="2">
+              <a:schemeClr val="accent1">
+                <a:shade val="50000"/>
+              </a:schemeClr>
+            </a:lnRef>
+            <a:fillRef idx="1">
+              <a:schemeClr val="accent1"/>
+            </a:fillRef>
+            <a:effectRef idx="0">
+              <a:schemeClr val="accent1"/>
+            </a:effectRef>
+            <a:fontRef idx="minor">
+              <a:schemeClr val="lt1"/>
+            </a:fontRef>
+          </p:style>
+          <p:txBody>
+            <a:bodyPr rtlCol="0" anchor="ctr"/>
+            <a:lstStyle/>
+            <a:p>
+              <a:pPr algn="ctr"/>
+              <a:endParaRPr lang="en-GB"/>
+            </a:p>
+          </p:txBody>
+        </p:sp>
+        <p:sp>
+          <p:nvSpPr>
+            <p:cNvPr id="52" name="TextBox 51"/>
+            <p:cNvSpPr txBox="1"/>
+            <p:nvPr/>
+          </p:nvSpPr>
+          <p:spPr>
+            <a:xfrm>
+              <a:off x="2441032" y="1525724"/>
+              <a:ext cx="426720" cy="246221"/>
+            </a:xfrm>
+            <a:prstGeom prst="rect">
+              <a:avLst/>
+            </a:prstGeom>
+            <a:noFill/>
+          </p:spPr>
+          <p:txBody>
+            <a:bodyPr wrap="none" rtlCol="0">
+              <a:spAutoFit/>
+            </a:bodyPr>
+            <a:lstStyle/>
+            <a:p>
+              <a:pPr algn="ctr"/>
+              <a:r>
+                <a:rPr lang="en-GB" sz="1000" dirty="0" smtClean="0"/>
+                <a:t>Item</a:t>
+              </a:r>
+              <a:endParaRPr lang="en-GB" sz="1000" dirty="0"/>
+            </a:p>
+          </p:txBody>
+        </p:sp>
+      </p:grpSp>
+      <p:cxnSp>
+        <p:nvCxnSpPr>
+          <p:cNvPr id="53" name="Curved Connector 52"/>
+          <p:cNvCxnSpPr>
+            <a:stCxn id="22" idx="2"/>
+            <a:endCxn id="49" idx="6"/>
+          </p:cNvCxnSpPr>
+          <p:nvPr/>
+        </p:nvCxnSpPr>
+        <p:spPr>
+          <a:xfrm rot="10800000">
+            <a:off x="943639" y="1723167"/>
+            <a:ext cx="851220" cy="5372"/>
+          </a:xfrm>
+          <a:prstGeom prst="curvedConnector3">
+            <a:avLst>
+              <a:gd name="adj1" fmla="val 50000"/>
+            </a:avLst>
+          </a:prstGeom>
+          <a:ln>
+            <a:tailEnd type="arrow"/>
+          </a:ln>
+        </p:spPr>
+        <p:style>
+          <a:lnRef idx="1">
+            <a:schemeClr val="accent1"/>
+          </a:lnRef>
+          <a:fillRef idx="0">
+            <a:schemeClr val="accent1"/>
+          </a:fillRef>
+          <a:effectRef idx="0">
+            <a:schemeClr val="accent1"/>
+          </a:effectRef>
+          <a:fontRef idx="minor">
+            <a:schemeClr val="tx1"/>
+          </a:fontRef>
+        </p:style>
+      </p:cxnSp>
+      <p:sp>
+        <p:nvSpPr>
+          <p:cNvPr id="54" name="TextBox 53"/>
+          <p:cNvSpPr txBox="1"/>
+          <p:nvPr/>
+        </p:nvSpPr>
+        <p:spPr>
+          <a:xfrm>
+            <a:off x="990627" y="1512515"/>
+            <a:ext cx="798617" cy="246221"/>
+          </a:xfrm>
+          <a:prstGeom prst="rect">
+            <a:avLst/>
+          </a:prstGeom>
+          <a:noFill/>
+        </p:spPr>
+        <p:txBody>
+          <a:bodyPr wrap="none" rtlCol="0">
+            <a:spAutoFit/>
+          </a:bodyPr>
+          <a:lstStyle/>
+          <a:p>
+            <a:r>
+              <a:rPr lang="en-GB" sz="1000" dirty="0" err="1" smtClean="0"/>
+              <a:t>operatesOn</a:t>
+            </a:r>
+            <a:endParaRPr lang="en-GB" sz="1000" dirty="0"/>
+          </a:p>
+        </p:txBody>
+      </p:sp>
+      <p:grpSp>
+        <p:nvGrpSpPr>
+          <p:cNvPr id="55" name="Group 54"/>
+          <p:cNvGrpSpPr/>
+          <p:nvPr/>
+        </p:nvGrpSpPr>
+        <p:grpSpPr>
+          <a:xfrm>
+            <a:off x="4634304" y="2520627"/>
+            <a:ext cx="720080" cy="432048"/>
+            <a:chOff x="2294352" y="1440507"/>
+            <a:chExt cx="720080" cy="432048"/>
+          </a:xfrm>
+        </p:grpSpPr>
+        <p:sp>
+          <p:nvSpPr>
+            <p:cNvPr id="56" name="Oval 55"/>
+            <p:cNvSpPr/>
+            <p:nvPr/>
+          </p:nvSpPr>
+          <p:spPr>
+            <a:xfrm>
+              <a:off x="2294352" y="1440507"/>
+              <a:ext cx="720080" cy="432048"/>
+            </a:xfrm>
+            <a:prstGeom prst="ellipse">
+              <a:avLst/>
+            </a:prstGeom>
+            <a:noFill/>
+          </p:spPr>
+          <p:style>
+            <a:lnRef idx="2">
+              <a:schemeClr val="accent1">
+                <a:shade val="50000"/>
+              </a:schemeClr>
+            </a:lnRef>
+            <a:fillRef idx="1">
+              <a:schemeClr val="accent1"/>
+            </a:fillRef>
+            <a:effectRef idx="0">
+              <a:schemeClr val="accent1"/>
+            </a:effectRef>
+            <a:fontRef idx="minor">
+              <a:schemeClr val="lt1"/>
+            </a:fontRef>
+          </p:style>
+          <p:txBody>
+            <a:bodyPr rtlCol="0" anchor="ctr"/>
+            <a:lstStyle/>
+            <a:p>
+              <a:pPr algn="ctr"/>
+              <a:endParaRPr lang="en-GB"/>
+            </a:p>
+          </p:txBody>
+        </p:sp>
+        <p:sp>
+          <p:nvSpPr>
+            <p:cNvPr id="57" name="TextBox 56"/>
+            <p:cNvSpPr txBox="1"/>
+            <p:nvPr/>
+          </p:nvSpPr>
+          <p:spPr>
+            <a:xfrm>
+              <a:off x="2345444" y="1533420"/>
+              <a:ext cx="628698" cy="246221"/>
+            </a:xfrm>
+            <a:prstGeom prst="rect">
+              <a:avLst/>
+            </a:prstGeom>
+            <a:noFill/>
+          </p:spPr>
+          <p:txBody>
+            <a:bodyPr wrap="none" rtlCol="0">
+              <a:spAutoFit/>
+            </a:bodyPr>
+            <a:lstStyle/>
+            <a:p>
+              <a:r>
+                <a:rPr lang="en-GB" sz="1000" dirty="0" smtClean="0"/>
+                <a:t>Location</a:t>
+              </a:r>
+              <a:endParaRPr lang="en-GB" sz="1000" dirty="0"/>
+            </a:p>
+          </p:txBody>
+        </p:sp>
+      </p:grpSp>
+      <p:cxnSp>
+        <p:nvCxnSpPr>
+          <p:cNvPr id="59" name="Curved Connector 58"/>
+          <p:cNvCxnSpPr>
+            <a:stCxn id="15" idx="6"/>
+            <a:endCxn id="56" idx="2"/>
+          </p:cNvCxnSpPr>
+          <p:nvPr/>
+        </p:nvCxnSpPr>
+        <p:spPr>
+          <a:xfrm>
+            <a:off x="3854933" y="2736650"/>
+            <a:ext cx="779371" cy="1"/>
+          </a:xfrm>
+          <a:prstGeom prst="curvedConnector3">
+            <a:avLst>
+              <a:gd name="adj1" fmla="val 50000"/>
+            </a:avLst>
+          </a:prstGeom>
+          <a:ln>
+            <a:tailEnd type="arrow"/>
+          </a:ln>
+        </p:spPr>
+        <p:style>
+          <a:lnRef idx="1">
+            <a:schemeClr val="accent1"/>
+          </a:lnRef>
+          <a:fillRef idx="0">
+            <a:schemeClr val="accent1"/>
+          </a:fillRef>
+          <a:effectRef idx="0">
+            <a:schemeClr val="accent1"/>
+          </a:effectRef>
+          <a:fontRef idx="minor">
+            <a:schemeClr val="tx1"/>
+          </a:fontRef>
+        </p:style>
+      </p:cxnSp>
+      <p:sp>
+        <p:nvSpPr>
+          <p:cNvPr id="60" name="TextBox 59"/>
+          <p:cNvSpPr txBox="1"/>
+          <p:nvPr/>
+        </p:nvSpPr>
+        <p:spPr>
+          <a:xfrm>
+            <a:off x="3936647" y="2497202"/>
+            <a:ext cx="643125" cy="261610"/>
+          </a:xfrm>
+          <a:prstGeom prst="rect">
+            <a:avLst/>
+          </a:prstGeom>
+          <a:noFill/>
+        </p:spPr>
+        <p:txBody>
+          <a:bodyPr wrap="none" rtlCol="0">
+            <a:spAutoFit/>
+          </a:bodyPr>
+          <a:lstStyle/>
+          <a:p>
+            <a:r>
+              <a:rPr lang="en-GB" dirty="0" smtClean="0"/>
+              <a:t>location</a:t>
             </a:r>
             <a:endParaRPr lang="en-GB" dirty="0"/>
           </a:p>

--- a/doc/overview.pptx
+++ b/doc/overview.pptx
@@ -290,7 +290,7 @@
           <a:p>
             <a:fld id="{1BF9B961-E8CE-4B0C-9578-2C2B903B0BA5}" type="datetimeFigureOut">
               <a:rPr lang="en-GB" smtClean="0"/>
-              <a:t>29/12/2014</a:t>
+              <a:t>07/01/2015</a:t>
             </a:fld>
             <a:endParaRPr lang="en-GB"/>
           </a:p>
@@ -460,7 +460,7 @@
           <a:p>
             <a:fld id="{1BF9B961-E8CE-4B0C-9578-2C2B903B0BA5}" type="datetimeFigureOut">
               <a:rPr lang="en-GB" smtClean="0"/>
-              <a:t>29/12/2014</a:t>
+              <a:t>07/01/2015</a:t>
             </a:fld>
             <a:endParaRPr lang="en-GB"/>
           </a:p>
@@ -640,7 +640,7 @@
           <a:p>
             <a:fld id="{1BF9B961-E8CE-4B0C-9578-2C2B903B0BA5}" type="datetimeFigureOut">
               <a:rPr lang="en-GB" smtClean="0"/>
-              <a:t>29/12/2014</a:t>
+              <a:t>07/01/2015</a:t>
             </a:fld>
             <a:endParaRPr lang="en-GB"/>
           </a:p>
@@ -810,7 +810,7 @@
           <a:p>
             <a:fld id="{1BF9B961-E8CE-4B0C-9578-2C2B903B0BA5}" type="datetimeFigureOut">
               <a:rPr lang="en-GB" smtClean="0"/>
-              <a:t>29/12/2014</a:t>
+              <a:t>07/01/2015</a:t>
             </a:fld>
             <a:endParaRPr lang="en-GB"/>
           </a:p>
@@ -1056,7 +1056,7 @@
           <a:p>
             <a:fld id="{1BF9B961-E8CE-4B0C-9578-2C2B903B0BA5}" type="datetimeFigureOut">
               <a:rPr lang="en-GB" smtClean="0"/>
-              <a:t>29/12/2014</a:t>
+              <a:t>07/01/2015</a:t>
             </a:fld>
             <a:endParaRPr lang="en-GB"/>
           </a:p>
@@ -1344,7 +1344,7 @@
           <a:p>
             <a:fld id="{1BF9B961-E8CE-4B0C-9578-2C2B903B0BA5}" type="datetimeFigureOut">
               <a:rPr lang="en-GB" smtClean="0"/>
-              <a:t>29/12/2014</a:t>
+              <a:t>07/01/2015</a:t>
             </a:fld>
             <a:endParaRPr lang="en-GB"/>
           </a:p>
@@ -1766,7 +1766,7 @@
           <a:p>
             <a:fld id="{1BF9B961-E8CE-4B0C-9578-2C2B903B0BA5}" type="datetimeFigureOut">
               <a:rPr lang="en-GB" smtClean="0"/>
-              <a:t>29/12/2014</a:t>
+              <a:t>07/01/2015</a:t>
             </a:fld>
             <a:endParaRPr lang="en-GB"/>
           </a:p>
@@ -1884,7 +1884,7 @@
           <a:p>
             <a:fld id="{1BF9B961-E8CE-4B0C-9578-2C2B903B0BA5}" type="datetimeFigureOut">
               <a:rPr lang="en-GB" smtClean="0"/>
-              <a:t>29/12/2014</a:t>
+              <a:t>07/01/2015</a:t>
             </a:fld>
             <a:endParaRPr lang="en-GB"/>
           </a:p>
@@ -1979,7 +1979,7 @@
           <a:p>
             <a:fld id="{1BF9B961-E8CE-4B0C-9578-2C2B903B0BA5}" type="datetimeFigureOut">
               <a:rPr lang="en-GB" smtClean="0"/>
-              <a:t>29/12/2014</a:t>
+              <a:t>07/01/2015</a:t>
             </a:fld>
             <a:endParaRPr lang="en-GB"/>
           </a:p>
@@ -2256,7 +2256,7 @@
           <a:p>
             <a:fld id="{1BF9B961-E8CE-4B0C-9578-2C2B903B0BA5}" type="datetimeFigureOut">
               <a:rPr lang="en-GB" smtClean="0"/>
-              <a:t>29/12/2014</a:t>
+              <a:t>07/01/2015</a:t>
             </a:fld>
             <a:endParaRPr lang="en-GB"/>
           </a:p>
@@ -2509,7 +2509,7 @@
           <a:p>
             <a:fld id="{1BF9B961-E8CE-4B0C-9578-2C2B903B0BA5}" type="datetimeFigureOut">
               <a:rPr lang="en-GB" smtClean="0"/>
-              <a:t>29/12/2014</a:t>
+              <a:t>07/01/2015</a:t>
             </a:fld>
             <a:endParaRPr lang="en-GB"/>
           </a:p>
@@ -2722,7 +2722,7 @@
           <a:p>
             <a:fld id="{1BF9B961-E8CE-4B0C-9578-2C2B903B0BA5}" type="datetimeFigureOut">
               <a:rPr lang="en-GB" smtClean="0"/>
-              <a:t>29/12/2014</a:t>
+              <a:t>07/01/2015</a:t>
             </a:fld>
             <a:endParaRPr lang="en-GB"/>
           </a:p>
@@ -4721,6 +4721,74 @@
           </a:p>
         </p:txBody>
       </p:sp>
+      <p:cxnSp>
+        <p:nvCxnSpPr>
+          <p:cNvPr id="62" name="Curved Connector 61"/>
+          <p:cNvCxnSpPr>
+            <a:stCxn id="29" idx="6"/>
+            <a:endCxn id="16" idx="1"/>
+          </p:cNvCxnSpPr>
+          <p:nvPr/>
+        </p:nvCxnSpPr>
+        <p:spPr>
+          <a:xfrm>
+            <a:off x="2509324" y="2558517"/>
+            <a:ext cx="590268" cy="178133"/>
+          </a:xfrm>
+          <a:prstGeom prst="curvedConnector3">
+            <a:avLst>
+              <a:gd name="adj1" fmla="val 50000"/>
+            </a:avLst>
+          </a:prstGeom>
+          <a:ln>
+            <a:tailEnd type="arrow"/>
+          </a:ln>
+        </p:spPr>
+        <p:style>
+          <a:lnRef idx="1">
+            <a:schemeClr val="accent1"/>
+          </a:lnRef>
+          <a:fillRef idx="0">
+            <a:schemeClr val="accent1"/>
+          </a:fillRef>
+          <a:effectRef idx="0">
+            <a:schemeClr val="accent1"/>
+          </a:effectRef>
+          <a:fontRef idx="minor">
+            <a:schemeClr val="tx1"/>
+          </a:fontRef>
+        </p:style>
+      </p:cxnSp>
+      <p:sp>
+        <p:nvSpPr>
+          <p:cNvPr id="64" name="TextBox 63"/>
+          <p:cNvSpPr txBox="1"/>
+          <p:nvPr/>
+        </p:nvSpPr>
+        <p:spPr>
+          <a:xfrm>
+            <a:off x="2407940" y="2698961"/>
+            <a:ext cx="776175" cy="246221"/>
+          </a:xfrm>
+          <a:prstGeom prst="rect">
+            <a:avLst/>
+          </a:prstGeom>
+          <a:noFill/>
+        </p:spPr>
+        <p:txBody>
+          <a:bodyPr wrap="none" rtlCol="0">
+            <a:spAutoFit/>
+          </a:bodyPr>
+          <a:lstStyle/>
+          <a:p>
+            <a:r>
+              <a:rPr lang="en-GB" sz="1000" dirty="0" smtClean="0"/>
+              <a:t>community</a:t>
+            </a:r>
+            <a:endParaRPr lang="en-GB" sz="1000" dirty="0"/>
+          </a:p>
+        </p:txBody>
+      </p:sp>
     </p:spTree>
     <p:extLst>
       <p:ext uri="{BB962C8B-B14F-4D97-AF65-F5344CB8AC3E}">
@@ -6569,6 +6637,155 @@
             <a:r>
               <a:rPr lang="en-GB" sz="1000" dirty="0" smtClean="0"/>
               <a:t>1.2.3</a:t>
+            </a:r>
+            <a:endParaRPr lang="en-GB" sz="1000" dirty="0"/>
+          </a:p>
+        </p:txBody>
+      </p:sp>
+      <p:sp>
+        <p:nvSpPr>
+          <p:cNvPr id="19" name="Rounded Rectangle 18"/>
+          <p:cNvSpPr/>
+          <p:nvPr/>
+        </p:nvSpPr>
+        <p:spPr>
+          <a:xfrm>
+            <a:off x="4349074" y="2664643"/>
+            <a:ext cx="801705" cy="373333"/>
+          </a:xfrm>
+          <a:prstGeom prst="roundRect">
+            <a:avLst/>
+          </a:prstGeom>
+          <a:noFill/>
+        </p:spPr>
+        <p:style>
+          <a:lnRef idx="2">
+            <a:schemeClr val="accent1">
+              <a:shade val="50000"/>
+            </a:schemeClr>
+          </a:lnRef>
+          <a:fillRef idx="1">
+            <a:schemeClr val="accent1"/>
+          </a:fillRef>
+          <a:effectRef idx="0">
+            <a:schemeClr val="accent1"/>
+          </a:effectRef>
+          <a:fontRef idx="minor">
+            <a:schemeClr val="lt1"/>
+          </a:fontRef>
+        </p:style>
+        <p:txBody>
+          <a:bodyPr rtlCol="0" anchor="ctr"/>
+          <a:lstStyle/>
+          <a:p>
+            <a:pPr algn="ctr"/>
+            <a:endParaRPr lang="en-GB"/>
+          </a:p>
+        </p:txBody>
+      </p:sp>
+      <p:cxnSp>
+        <p:nvCxnSpPr>
+          <p:cNvPr id="20" name="Curved Connector 19"/>
+          <p:cNvCxnSpPr>
+            <a:stCxn id="29" idx="4"/>
+            <a:endCxn id="19" idx="1"/>
+          </p:cNvCxnSpPr>
+          <p:nvPr/>
+        </p:nvCxnSpPr>
+        <p:spPr>
+          <a:xfrm rot="16200000" flipH="1">
+            <a:off x="3089415" y="1591650"/>
+            <a:ext cx="978755" cy="1540563"/>
+          </a:xfrm>
+          <a:prstGeom prst="curvedConnector2">
+            <a:avLst/>
+          </a:prstGeom>
+          <a:ln>
+            <a:tailEnd type="arrow"/>
+          </a:ln>
+        </p:spPr>
+        <p:style>
+          <a:lnRef idx="1">
+            <a:schemeClr val="accent1"/>
+          </a:lnRef>
+          <a:fillRef idx="0">
+            <a:schemeClr val="accent1"/>
+          </a:fillRef>
+          <a:effectRef idx="0">
+            <a:schemeClr val="accent1"/>
+          </a:effectRef>
+          <a:fontRef idx="minor">
+            <a:schemeClr val="tx1"/>
+          </a:fontRef>
+        </p:style>
+      </p:cxnSp>
+      <p:sp>
+        <p:nvSpPr>
+          <p:cNvPr id="24" name="TextBox 23"/>
+          <p:cNvSpPr txBox="1"/>
+          <p:nvPr/>
+        </p:nvSpPr>
+        <p:spPr>
+          <a:xfrm>
+            <a:off x="3367442" y="2440166"/>
+            <a:ext cx="1273105" cy="246221"/>
+          </a:xfrm>
+          <a:prstGeom prst="rect">
+            <a:avLst/>
+          </a:prstGeom>
+          <a:noFill/>
+        </p:spPr>
+        <p:txBody>
+          <a:bodyPr wrap="none" rtlCol="0">
+            <a:spAutoFit/>
+          </a:bodyPr>
+          <a:lstStyle/>
+          <a:p>
+            <a:r>
+              <a:rPr lang="en-GB" sz="1000" dirty="0" err="1" smtClean="0"/>
+              <a:t>dcterms:description</a:t>
+            </a:r>
+            <a:endParaRPr lang="en-GB" sz="1000" dirty="0"/>
+          </a:p>
+        </p:txBody>
+      </p:sp>
+      <p:sp>
+        <p:nvSpPr>
+          <p:cNvPr id="25" name="TextBox 24"/>
+          <p:cNvSpPr txBox="1"/>
+          <p:nvPr/>
+        </p:nvSpPr>
+        <p:spPr>
+          <a:xfrm>
+            <a:off x="4401914" y="2651254"/>
+            <a:ext cx="696023" cy="400110"/>
+          </a:xfrm>
+          <a:prstGeom prst="rect">
+            <a:avLst/>
+          </a:prstGeom>
+          <a:noFill/>
+        </p:spPr>
+        <p:txBody>
+          <a:bodyPr wrap="none" rtlCol="0">
+            <a:spAutoFit/>
+          </a:bodyPr>
+          <a:lstStyle/>
+          <a:p>
+            <a:pPr algn="ctr"/>
+            <a:r>
+              <a:rPr lang="en-GB" sz="1000" dirty="0" err="1" smtClean="0"/>
+              <a:t>paras</a:t>
+            </a:r>
+            <a:r>
+              <a:rPr lang="en-GB" sz="1000" dirty="0" smtClean="0"/>
+              <a:t> 3-5 </a:t>
+            </a:r>
+          </a:p>
+          <a:p>
+            <a:pPr algn="ctr"/>
+            <a:r>
+              <a:rPr lang="en-GB" sz="1000" dirty="0" smtClean="0"/>
+              <a:t>on page 4</a:t>
             </a:r>
             <a:endParaRPr lang="en-GB" sz="1000" dirty="0"/>
           </a:p>
